--- a/Mitigating-Risks-Research-Community-Manager-Interview.pptx
+++ b/Mitigating-Risks-Research-Community-Manager-Interview.pptx
@@ -209,7 +209,7 @@
           <a:p>
             <a:fld id="{180BAD20-8EF6-6943-B069-007DFDCFB392}" type="datetimeFigureOut">
               <a:rPr lang="en-US" smtClean="0"/>
-              <a:t>5/13/19</a:t>
+              <a:t>5/14/19</a:t>
             </a:fld>
             <a:endParaRPr lang="en-US"/>
           </a:p>
@@ -1698,7 +1698,7 @@
           <a:p>
             <a:fld id="{75F37456-3971-FC43-AF03-415959DC9299}" type="datetime1">
               <a:rPr lang="en-GB" smtClean="0"/>
-              <a:t>13/05/2019</a:t>
+              <a:t>14/05/2019</a:t>
             </a:fld>
             <a:endParaRPr lang="en-US"/>
           </a:p>
@@ -1842,7 +1842,7 @@
           <a:p>
             <a:fld id="{25B202DA-880A-6E47-8E2F-04C87A9D9823}" type="datetime1">
               <a:rPr lang="en-GB" smtClean="0"/>
-              <a:t>13/05/2019</a:t>
+              <a:t>14/05/2019</a:t>
             </a:fld>
             <a:endParaRPr lang="en-US"/>
           </a:p>
@@ -2053,7 +2053,7 @@
           <a:p>
             <a:fld id="{D4EA78A1-FB7F-D949-988A-2DE642169CFB}" type="datetime1">
               <a:rPr lang="en-GB" smtClean="0"/>
-              <a:t>13/05/2019</a:t>
+              <a:t>14/05/2019</a:t>
             </a:fld>
             <a:endParaRPr lang="en-US"/>
           </a:p>
@@ -2291,7 +2291,7 @@
           <a:p>
             <a:fld id="{DAF77488-2DA9-FE46-8D5E-F8BCAD55E896}" type="datetime1">
               <a:rPr lang="en-GB" smtClean="0"/>
-              <a:t>13/05/2019</a:t>
+              <a:t>14/05/2019</a:t>
             </a:fld>
             <a:endParaRPr lang="en-US"/>
           </a:p>
@@ -2584,7 +2584,7 @@
           <a:p>
             <a:fld id="{E3AE1EA1-3C10-9442-A782-C9AEAC576372}" type="datetime1">
               <a:rPr lang="en-GB" smtClean="0"/>
-              <a:t>13/05/2019</a:t>
+              <a:t>14/05/2019</a:t>
             </a:fld>
             <a:endParaRPr lang="en-US"/>
           </a:p>
@@ -2974,7 +2974,7 @@
           <a:p>
             <a:fld id="{717AD650-9DB7-FA46-BF6A-792B0C80ABF8}" type="datetime1">
               <a:rPr lang="en-GB" smtClean="0"/>
-              <a:t>13/05/2019</a:t>
+              <a:t>14/05/2019</a:t>
             </a:fld>
             <a:endParaRPr lang="en-US"/>
           </a:p>
@@ -3518,7 +3518,7 @@
           <a:p>
             <a:fld id="{31C3F164-ED80-394F-95FA-9252CC2DEAD6}" type="datetime1">
               <a:rPr lang="en-GB" smtClean="0"/>
-              <a:t>13/05/2019</a:t>
+              <a:t>14/05/2019</a:t>
             </a:fld>
             <a:endParaRPr lang="en-US"/>
           </a:p>
@@ -3662,7 +3662,7 @@
           <a:p>
             <a:fld id="{6B765E02-740C-8845-95F1-810EEEA13301}" type="datetime1">
               <a:rPr lang="en-GB" smtClean="0"/>
-              <a:t>13/05/2019</a:t>
+              <a:t>14/05/2019</a:t>
             </a:fld>
             <a:endParaRPr lang="en-US"/>
           </a:p>
@@ -3778,7 +3778,7 @@
           <a:p>
             <a:fld id="{878C3AD9-8CA1-D646-BC01-8CEA4C46BF44}" type="datetime1">
               <a:rPr lang="en-GB" smtClean="0"/>
-              <a:t>13/05/2019</a:t>
+              <a:t>14/05/2019</a:t>
             </a:fld>
             <a:endParaRPr lang="en-US"/>
           </a:p>
@@ -4196,7 +4196,7 @@
           <a:p>
             <a:fld id="{A5A022AB-88BB-694B-B051-A2FED72D05F5}" type="datetime1">
               <a:rPr lang="en-GB" smtClean="0"/>
-              <a:t>13/05/2019</a:t>
+              <a:t>14/05/2019</a:t>
             </a:fld>
             <a:endParaRPr lang="en-US"/>
           </a:p>
@@ -4487,7 +4487,7 @@
           <a:p>
             <a:fld id="{F8A6B47D-60D1-1245-8671-4883181B9E19}" type="datetime1">
               <a:rPr lang="en-GB" smtClean="0"/>
-              <a:t>13/05/2019</a:t>
+              <a:t>14/05/2019</a:t>
             </a:fld>
             <a:endParaRPr lang="en-US"/>
           </a:p>
@@ -4790,7 +4790,7 @@
             <a:fld id="{9298DDD0-E4CE-7246-B0B0-F84D2BAE9332}" type="datetime1">
               <a:rPr lang="en-GB" smtClean="0"/>
               <a:pPr/>
-              <a:t>13/05/2019</a:t>
+              <a:t>14/05/2019</a:t>
             </a:fld>
             <a:endParaRPr lang="en-US" dirty="0"/>
           </a:p>
@@ -18526,6 +18526,33 @@
                                   </p:childTnLst>
                                 </p:cTn>
                               </p:par>
+                              <p:par>
+                                <p:cTn id="17" presetID="1" presetClass="entr" presetSubtype="0" fill="hold" grpId="0" nodeType="withEffect">
+                                  <p:stCondLst>
+                                    <p:cond delay="0"/>
+                                  </p:stCondLst>
+                                  <p:childTnLst>
+                                    <p:set>
+                                      <p:cBhvr>
+                                        <p:cTn id="18" dur="1" fill="hold">
+                                          <p:stCondLst>
+                                            <p:cond delay="0"/>
+                                          </p:stCondLst>
+                                        </p:cTn>
+                                        <p:tgtEl>
+                                          <p:spTgt spid="8"/>
+                                        </p:tgtEl>
+                                        <p:attrNameLst>
+                                          <p:attrName>style.visibility</p:attrName>
+                                        </p:attrNameLst>
+                                      </p:cBhvr>
+                                      <p:to>
+                                        <p:strVal val="visible"/>
+                                      </p:to>
+                                    </p:set>
+                                  </p:childTnLst>
+                                </p:cTn>
+                              </p:par>
                             </p:childTnLst>
                           </p:cTn>
                         </p:par>
@@ -18553,6 +18580,9 @@
         </p:cTn>
       </p:par>
     </p:tnLst>
+    <p:bldLst>
+      <p:bldP spid="8" grpId="0"/>
+    </p:bldLst>
   </p:timing>
 </p:sld>
 </file>
@@ -18722,7 +18752,7 @@
           <p:nvPr>
             <p:extLst>
               <p:ext uri="{D42A27DB-BD31-4B8C-83A1-F6EECF244321}">
-                <p14:modId xmlns:p14="http://schemas.microsoft.com/office/powerpoint/2010/main" val="1207198966"/>
+                <p14:modId xmlns:p14="http://schemas.microsoft.com/office/powerpoint/2010/main" val="674279008"/>
               </p:ext>
             </p:extLst>
           </p:nvPr>
@@ -19018,7 +19048,7 @@
                             <a:schemeClr val="bg1"/>
                           </a:solidFill>
                         </a:rPr>
-                        <a:t>Not meeting budget goals</a:t>
+                        <a:t>Lack of sufficient funds</a:t>
                       </a:r>
                     </a:p>
                   </a:txBody>
@@ -19078,7 +19108,7 @@
                           </a:solidFill>
                           <a:latin typeface="Europa" panose="02000000000000000000" pitchFamily="2" charset="77"/>
                         </a:rPr>
-                        <a:t>Limit/Transfer</a:t>
+                        <a:t>Limit</a:t>
                       </a:r>
                     </a:p>
                   </a:txBody>
